--- a/ppt/BigData04-MachineLearning.pptx
+++ b/ppt/BigData04-MachineLearning.pptx
@@ -5,10 +5,10 @@
     <p:sldMasterId id="2147483653" r:id="rId1"/>
   </p:sldMasterIdLst>
   <p:notesMasterIdLst>
-    <p:notesMasterId r:id="rId42"/>
+    <p:notesMasterId r:id="rId37"/>
   </p:notesMasterIdLst>
   <p:handoutMasterIdLst>
-    <p:handoutMasterId r:id="rId43"/>
+    <p:handoutMasterId r:id="rId38"/>
   </p:handoutMasterIdLst>
   <p:sldIdLst>
     <p:sldId id="264" r:id="rId2"/>
@@ -32,25 +32,20 @@
     <p:sldId id="319" r:id="rId20"/>
     <p:sldId id="278" r:id="rId21"/>
     <p:sldId id="279" r:id="rId22"/>
-    <p:sldId id="280" r:id="rId23"/>
-    <p:sldId id="281" r:id="rId24"/>
-    <p:sldId id="283" r:id="rId25"/>
-    <p:sldId id="349" r:id="rId26"/>
-    <p:sldId id="314" r:id="rId27"/>
-    <p:sldId id="305" r:id="rId28"/>
-    <p:sldId id="324" r:id="rId29"/>
-    <p:sldId id="318" r:id="rId30"/>
-    <p:sldId id="333" r:id="rId31"/>
-    <p:sldId id="383" r:id="rId32"/>
-    <p:sldId id="384" r:id="rId33"/>
-    <p:sldId id="386" r:id="rId34"/>
-    <p:sldId id="380" r:id="rId35"/>
-    <p:sldId id="367" r:id="rId36"/>
-    <p:sldId id="377" r:id="rId37"/>
-    <p:sldId id="394" r:id="rId38"/>
-    <p:sldId id="322" r:id="rId39"/>
-    <p:sldId id="340" r:id="rId40"/>
-    <p:sldId id="341" r:id="rId41"/>
+    <p:sldId id="281" r:id="rId23"/>
+    <p:sldId id="283" r:id="rId24"/>
+    <p:sldId id="349" r:id="rId25"/>
+    <p:sldId id="314" r:id="rId26"/>
+    <p:sldId id="383" r:id="rId27"/>
+    <p:sldId id="384" r:id="rId28"/>
+    <p:sldId id="386" r:id="rId29"/>
+    <p:sldId id="380" r:id="rId30"/>
+    <p:sldId id="367" r:id="rId31"/>
+    <p:sldId id="377" r:id="rId32"/>
+    <p:sldId id="394" r:id="rId33"/>
+    <p:sldId id="322" r:id="rId34"/>
+    <p:sldId id="340" r:id="rId35"/>
+    <p:sldId id="341" r:id="rId36"/>
   </p:sldIdLst>
   <p:sldSz cx="9144000" cy="6858000" type="screen4x3"/>
   <p:notesSz cx="6648450" cy="9782175"/>
@@ -5309,7 +5304,7 @@
           <a:p>
             <a:r>
               <a:rPr lang="fr-FR" dirty="0"/>
-              <a:t>Notre travail</a:t>
+              <a:t>L'algorithme d'apprentissage</a:t>
             </a:r>
           </a:p>
         </p:txBody>
@@ -5331,56 +5326,29 @@
           <a:p>
             <a:r>
               <a:rPr lang="fr-FR" dirty="0"/>
-              <a:t>Le travail du data </a:t>
-            </a:r>
-            <a:r>
-              <a:rPr lang="fr-FR" dirty="0" err="1"/>
-              <a:t>scientist</a:t>
-            </a:r>
-            <a:r>
-              <a:rPr lang="fr-FR" dirty="0"/>
-              <a:t> en machine </a:t>
-            </a:r>
-            <a:r>
-              <a:rPr lang="fr-FR" dirty="0" err="1"/>
-              <a:t>learning</a:t>
-            </a:r>
-            <a:r>
-              <a:rPr lang="fr-FR" dirty="0"/>
-              <a:t> consiste à sélectionner les bonnes données test, choisir et entraîner le bon algorithme en vérifiant grâce à l'analyse d'erreurs que le modèle devient de plus en plus performant et robuste</a:t>
-            </a:r>
-          </a:p>
-          <a:p>
-            <a:r>
-              <a:rPr lang="fr-FR" dirty="0"/>
-              <a:t>Si les performances s'améliorent lorsqu'on lui fourni les données d'entraînement, on dit alors que la machine "apprend".</a:t>
-            </a:r>
-          </a:p>
-          <a:p>
-            <a:r>
-              <a:rPr lang="fr-FR" dirty="0"/>
-              <a:t>Le data </a:t>
-            </a:r>
-            <a:r>
-              <a:rPr lang="fr-FR" dirty="0" err="1"/>
-              <a:t>scientist</a:t>
-            </a:r>
-            <a:r>
-              <a:rPr lang="fr-FR" dirty="0"/>
-              <a:t> peut ensuite déployer le modèle afin qu'il traite de nouvelles données, pour accomplir la tâche (prédiction</a:t>
-            </a:r>
-            <a:r>
-              <a:rPr lang="fr-FR"/>
-              <a:t>, décision, ...).</a:t>
-            </a:r>
-            <a:endParaRPr lang="fr-FR" dirty="0"/>
+              <a:t>L'algorithme d'apprentissage constitue la méthode avec laquelle le modèle statistique va se paramétrer à partir des données d'exemple</a:t>
+            </a:r>
+          </a:p>
+          <a:p>
+            <a:pPr lvl="1"/>
+            <a:r>
+              <a:rPr lang="fr-FR" dirty="0"/>
+              <a:t>Il existe de nombreux algorithmes différents !</a:t>
+            </a:r>
+          </a:p>
+          <a:p>
+            <a:pPr lvl="1"/>
+            <a:r>
+              <a:rPr lang="fr-FR" dirty="0"/>
+              <a:t>On choisira un type d'algorithme particulier en fonction du type de tâche que l'on souhaite accomplir et du type de données dont on dispose</a:t>
+            </a:r>
           </a:p>
         </p:txBody>
       </p:sp>
     </p:spTree>
     <p:extLst>
       <p:ext uri="{BB962C8B-B14F-4D97-AF65-F5344CB8AC3E}">
-        <p14:creationId xmlns:p14="http://schemas.microsoft.com/office/powerpoint/2010/main" val="2335869725"/>
+        <p14:creationId xmlns:p14="http://schemas.microsoft.com/office/powerpoint/2010/main" val="1834491022"/>
       </p:ext>
     </p:extLst>
   </p:cSld>
@@ -5424,94 +5392,6 @@
           <a:p>
             <a:r>
               <a:rPr lang="fr-FR" dirty="0"/>
-              <a:t>L'algorithme d'apprentissage</a:t>
-            </a:r>
-          </a:p>
-        </p:txBody>
-      </p:sp>
-      <p:sp>
-        <p:nvSpPr>
-          <p:cNvPr id="3" name="Espace réservé du contenu 2"/>
-          <p:cNvSpPr>
-            <a:spLocks noGrp="1"/>
-          </p:cNvSpPr>
-          <p:nvPr>
-            <p:ph idx="1"/>
-          </p:nvPr>
-        </p:nvSpPr>
-        <p:spPr/>
-        <p:txBody>
-          <a:bodyPr/>
-          <a:lstStyle/>
-          <a:p>
-            <a:r>
-              <a:rPr lang="fr-FR" dirty="0"/>
-              <a:t>L'algorithme d'apprentissage constitue la méthode avec laquelle le modèle statistique va se paramétrer à partir des données d'exemple</a:t>
-            </a:r>
-          </a:p>
-          <a:p>
-            <a:pPr lvl="1"/>
-            <a:r>
-              <a:rPr lang="fr-FR" dirty="0"/>
-              <a:t>Il existe de nombreux algorithmes différents !</a:t>
-            </a:r>
-          </a:p>
-          <a:p>
-            <a:pPr lvl="1"/>
-            <a:r>
-              <a:rPr lang="fr-FR" dirty="0"/>
-              <a:t>On choisira un type d'algorithme particulier en fonction du type de tâche que l'on souhaite accomplir et du type de données dont on dispose</a:t>
-            </a:r>
-          </a:p>
-        </p:txBody>
-      </p:sp>
-    </p:spTree>
-    <p:extLst>
-      <p:ext uri="{BB962C8B-B14F-4D97-AF65-F5344CB8AC3E}">
-        <p14:creationId xmlns:p14="http://schemas.microsoft.com/office/powerpoint/2010/main" val="1834491022"/>
-      </p:ext>
-    </p:extLst>
-  </p:cSld>
-  <p:clrMapOvr>
-    <a:masterClrMapping/>
-  </p:clrMapOvr>
-</p:sld>
-</file>
-
-<file path=ppt/slides/slide24.xml><?xml version="1.0" encoding="utf-8"?>
-<p:sld xmlns:a="http://schemas.openxmlformats.org/drawingml/2006/main" xmlns:r="http://schemas.openxmlformats.org/officeDocument/2006/relationships" xmlns:p="http://schemas.openxmlformats.org/presentationml/2006/main">
-  <p:cSld>
-    <p:spTree>
-      <p:nvGrpSpPr>
-        <p:cNvPr id="1" name=""/>
-        <p:cNvGrpSpPr/>
-        <p:nvPr/>
-      </p:nvGrpSpPr>
-      <p:grpSpPr>
-        <a:xfrm>
-          <a:off x="0" y="0"/>
-          <a:ext cx="0" cy="0"/>
-          <a:chOff x="0" y="0"/>
-          <a:chExt cx="0" cy="0"/>
-        </a:xfrm>
-      </p:grpSpPr>
-      <p:sp>
-        <p:nvSpPr>
-          <p:cNvPr id="2" name="Titre 1"/>
-          <p:cNvSpPr>
-            <a:spLocks noGrp="1"/>
-          </p:cNvSpPr>
-          <p:nvPr>
-            <p:ph type="title"/>
-          </p:nvPr>
-        </p:nvSpPr>
-        <p:spPr/>
-        <p:txBody>
-          <a:bodyPr/>
-          <a:lstStyle/>
-          <a:p>
-            <a:r>
-              <a:rPr lang="fr-FR" dirty="0"/>
               <a:t>Exemples</a:t>
             </a:r>
           </a:p>
@@ -5624,7 +5504,7 @@
 </p:sld>
 </file>
 
-<file path=ppt/slides/slide25.xml><?xml version="1.0" encoding="utf-8"?>
+<file path=ppt/slides/slide24.xml><?xml version="1.0" encoding="utf-8"?>
 <p:sld xmlns:a="http://schemas.openxmlformats.org/drawingml/2006/main" xmlns:r="http://schemas.openxmlformats.org/officeDocument/2006/relationships" xmlns:p="http://schemas.openxmlformats.org/presentationml/2006/main">
   <p:cSld>
     <p:spTree>
@@ -6084,7 +5964,7 @@
 </p:sld>
 </file>
 
-<file path=ppt/slides/slide26.xml><?xml version="1.0" encoding="utf-8"?>
+<file path=ppt/slides/slide25.xml><?xml version="1.0" encoding="utf-8"?>
 <p:sld xmlns:a="http://schemas.openxmlformats.org/drawingml/2006/main" xmlns:r="http://schemas.openxmlformats.org/officeDocument/2006/relationships" xmlns:p="http://schemas.openxmlformats.org/presentationml/2006/main">
   <p:cSld>
     <p:spTree>
@@ -6244,580 +6124,7 @@
 </p:sld>
 </file>
 
-<file path=ppt/slides/slide27.xml><?xml version="1.0" encoding="utf-8"?>
-<p:sld xmlns:a="http://schemas.openxmlformats.org/drawingml/2006/main" xmlns:r="http://schemas.openxmlformats.org/officeDocument/2006/relationships" xmlns:p="http://schemas.openxmlformats.org/presentationml/2006/main">
-  <p:cSld>
-    <p:spTree>
-      <p:nvGrpSpPr>
-        <p:cNvPr id="1" name=""/>
-        <p:cNvGrpSpPr/>
-        <p:nvPr/>
-      </p:nvGrpSpPr>
-      <p:grpSpPr>
-        <a:xfrm>
-          <a:off x="0" y="0"/>
-          <a:ext cx="0" cy="0"/>
-          <a:chOff x="0" y="0"/>
-          <a:chExt cx="0" cy="0"/>
-        </a:xfrm>
-      </p:grpSpPr>
-      <p:sp>
-        <p:nvSpPr>
-          <p:cNvPr id="2" name="Titre 1"/>
-          <p:cNvSpPr>
-            <a:spLocks noGrp="1"/>
-          </p:cNvSpPr>
-          <p:nvPr>
-            <p:ph type="title"/>
-          </p:nvPr>
-        </p:nvSpPr>
-        <p:spPr/>
-        <p:txBody>
-          <a:bodyPr/>
-          <a:lstStyle/>
-          <a:p>
-            <a:r>
-              <a:rPr lang="fr-FR"/>
-              <a:t>Neurone</a:t>
-            </a:r>
-          </a:p>
-        </p:txBody>
-      </p:sp>
-      <p:sp>
-        <p:nvSpPr>
-          <p:cNvPr id="3" name="Espace réservé du contenu 2"/>
-          <p:cNvSpPr>
-            <a:spLocks noGrp="1"/>
-          </p:cNvSpPr>
-          <p:nvPr>
-            <p:ph idx="1"/>
-          </p:nvPr>
-        </p:nvSpPr>
-        <p:spPr/>
-        <p:txBody>
-          <a:bodyPr/>
-          <a:lstStyle/>
-          <a:p>
-            <a:r>
-              <a:rPr lang="fr-FR" dirty="0"/>
-              <a:t>En biologie un neurone est une </a:t>
-            </a:r>
-            <a:r>
-              <a:rPr lang="fr-FR"/>
-              <a:t>cellule connectée </a:t>
-            </a:r>
-            <a:r>
-              <a:rPr lang="fr-FR" dirty="0"/>
-              <a:t>à d’autre neurones qui a la faculté de laisser passer ou non un courant électrique</a:t>
-            </a:r>
-          </a:p>
-          <a:p>
-            <a:pPr lvl="1"/>
-            <a:r>
-              <a:rPr lang="fr-FR" dirty="0"/>
-              <a:t>Sa modélisation mathématique est appelé perceptron</a:t>
-            </a:r>
-          </a:p>
-          <a:p>
-            <a:endParaRPr lang="fr-FR" dirty="0"/>
-          </a:p>
-        </p:txBody>
-      </p:sp>
-      <p:pic>
-        <p:nvPicPr>
-          <p:cNvPr id="6146" name="Picture 2" descr="RÃ©sultat de recherche d'images pour &quot;neurone&quot;"/>
-          <p:cNvPicPr>
-            <a:picLocks noChangeAspect="1" noChangeArrowheads="1"/>
-          </p:cNvPicPr>
-          <p:nvPr/>
-        </p:nvPicPr>
-        <p:blipFill>
-          <a:blip r:embed="rId2">
-            <a:extLst>
-              <a:ext uri="{28A0092B-C50C-407E-A947-70E740481C1C}">
-                <a14:useLocalDpi xmlns:a14="http://schemas.microsoft.com/office/drawing/2010/main" val="0"/>
-              </a:ext>
-            </a:extLst>
-          </a:blip>
-          <a:srcRect/>
-          <a:stretch>
-            <a:fillRect/>
-          </a:stretch>
-        </p:blipFill>
-        <p:spPr bwMode="auto">
-          <a:xfrm>
-            <a:off x="395536" y="3356992"/>
-            <a:ext cx="5184576" cy="2912774"/>
-          </a:xfrm>
-          <a:prstGeom prst="rect">
-            <a:avLst/>
-          </a:prstGeom>
-          <a:noFill/>
-          <a:extLst>
-            <a:ext uri="{909E8E84-426E-40DD-AFC4-6F175D3DCCD1}">
-              <a14:hiddenFill xmlns:a14="http://schemas.microsoft.com/office/drawing/2010/main">
-                <a:solidFill>
-                  <a:srgbClr val="FFFFFF"/>
-                </a:solidFill>
-              </a14:hiddenFill>
-            </a:ext>
-          </a:extLst>
-        </p:spPr>
-      </p:pic>
-    </p:spTree>
-    <p:extLst>
-      <p:ext uri="{BB962C8B-B14F-4D97-AF65-F5344CB8AC3E}">
-        <p14:creationId xmlns:p14="http://schemas.microsoft.com/office/powerpoint/2010/main" val="548719315"/>
-      </p:ext>
-    </p:extLst>
-  </p:cSld>
-  <p:clrMapOvr>
-    <a:masterClrMapping/>
-  </p:clrMapOvr>
-</p:sld>
-</file>
-
-<file path=ppt/slides/slide28.xml><?xml version="1.0" encoding="utf-8"?>
-<p:sld xmlns:a="http://schemas.openxmlformats.org/drawingml/2006/main" xmlns:r="http://schemas.openxmlformats.org/officeDocument/2006/relationships" xmlns:p="http://schemas.openxmlformats.org/presentationml/2006/main">
-  <p:cSld>
-    <p:spTree>
-      <p:nvGrpSpPr>
-        <p:cNvPr id="1" name=""/>
-        <p:cNvGrpSpPr/>
-        <p:nvPr/>
-      </p:nvGrpSpPr>
-      <p:grpSpPr>
-        <a:xfrm>
-          <a:off x="0" y="0"/>
-          <a:ext cx="0" cy="0"/>
-          <a:chOff x="0" y="0"/>
-          <a:chExt cx="0" cy="0"/>
-        </a:xfrm>
-      </p:grpSpPr>
-      <p:sp>
-        <p:nvSpPr>
-          <p:cNvPr id="2" name="Titre 1"/>
-          <p:cNvSpPr>
-            <a:spLocks noGrp="1"/>
-          </p:cNvSpPr>
-          <p:nvPr>
-            <p:ph type="title"/>
-          </p:nvPr>
-        </p:nvSpPr>
-        <p:spPr/>
-        <p:txBody>
-          <a:bodyPr/>
-          <a:lstStyle/>
-          <a:p>
-            <a:r>
-              <a:rPr lang="fr-FR" dirty="0"/>
-              <a:t>Perceptron</a:t>
-            </a:r>
-          </a:p>
-        </p:txBody>
-      </p:sp>
-      <p:sp>
-        <p:nvSpPr>
-          <p:cNvPr id="3" name="Espace réservé du contenu 2"/>
-          <p:cNvSpPr>
-            <a:spLocks noGrp="1"/>
-          </p:cNvSpPr>
-          <p:nvPr>
-            <p:ph idx="1"/>
-          </p:nvPr>
-        </p:nvSpPr>
-        <p:spPr/>
-        <p:txBody>
-          <a:bodyPr/>
-          <a:lstStyle/>
-          <a:p>
-            <a:r>
-              <a:rPr lang="fr-FR" dirty="0"/>
-              <a:t>Un neurone possède plusieurs entrées (ix), une sortie (o), un seuil et une fonction d’activation (f)</a:t>
-            </a:r>
-          </a:p>
-          <a:p>
-            <a:r>
-              <a:rPr lang="fr-FR" dirty="0"/>
-              <a:t>Chaque entrée possède un poids (</a:t>
-            </a:r>
-            <a:r>
-              <a:rPr lang="fr-FR" dirty="0" err="1"/>
-              <a:t>Wx</a:t>
-            </a:r>
-            <a:r>
-              <a:rPr lang="fr-FR" dirty="0"/>
-              <a:t>)</a:t>
-            </a:r>
-          </a:p>
-          <a:p>
-            <a:endParaRPr lang="fr-FR" dirty="0"/>
-          </a:p>
-        </p:txBody>
-      </p:sp>
-      <p:pic>
-        <p:nvPicPr>
-          <p:cNvPr id="1026" name="Picture 2" descr="Schéma d'un perceptron à n entrées."/>
-          <p:cNvPicPr>
-            <a:picLocks noChangeAspect="1" noChangeArrowheads="1"/>
-          </p:cNvPicPr>
-          <p:nvPr/>
-        </p:nvPicPr>
-        <p:blipFill>
-          <a:blip r:embed="rId2">
-            <a:extLst>
-              <a:ext uri="{28A0092B-C50C-407E-A947-70E740481C1C}">
-                <a14:useLocalDpi xmlns:a14="http://schemas.microsoft.com/office/drawing/2010/main" val="0"/>
-              </a:ext>
-            </a:extLst>
-          </a:blip>
-          <a:srcRect/>
-          <a:stretch>
-            <a:fillRect/>
-          </a:stretch>
-        </p:blipFill>
-        <p:spPr bwMode="auto">
-          <a:xfrm>
-            <a:off x="1216473" y="2719205"/>
-            <a:ext cx="5640561" cy="3990698"/>
-          </a:xfrm>
-          <a:prstGeom prst="rect">
-            <a:avLst/>
-          </a:prstGeom>
-          <a:noFill/>
-          <a:extLst>
-            <a:ext uri="{909E8E84-426E-40DD-AFC4-6F175D3DCCD1}">
-              <a14:hiddenFill xmlns:a14="http://schemas.microsoft.com/office/drawing/2010/main">
-                <a:solidFill>
-                  <a:srgbClr val="FFFFFF"/>
-                </a:solidFill>
-              </a14:hiddenFill>
-            </a:ext>
-          </a:extLst>
-        </p:spPr>
-      </p:pic>
-    </p:spTree>
-    <p:extLst>
-      <p:ext uri="{BB962C8B-B14F-4D97-AF65-F5344CB8AC3E}">
-        <p14:creationId xmlns:p14="http://schemas.microsoft.com/office/powerpoint/2010/main" val="176497300"/>
-      </p:ext>
-    </p:extLst>
-  </p:cSld>
-  <p:clrMapOvr>
-    <a:masterClrMapping/>
-  </p:clrMapOvr>
-</p:sld>
-</file>
-
-<file path=ppt/slides/slide29.xml><?xml version="1.0" encoding="utf-8"?>
-<p:sld xmlns:a="http://schemas.openxmlformats.org/drawingml/2006/main" xmlns:r="http://schemas.openxmlformats.org/officeDocument/2006/relationships" xmlns:p="http://schemas.openxmlformats.org/presentationml/2006/main">
-  <p:cSld>
-    <p:spTree>
-      <p:nvGrpSpPr>
-        <p:cNvPr id="1" name=""/>
-        <p:cNvGrpSpPr/>
-        <p:nvPr/>
-      </p:nvGrpSpPr>
-      <p:grpSpPr>
-        <a:xfrm>
-          <a:off x="0" y="0"/>
-          <a:ext cx="0" cy="0"/>
-          <a:chOff x="0" y="0"/>
-          <a:chExt cx="0" cy="0"/>
-        </a:xfrm>
-      </p:grpSpPr>
-      <p:sp>
-        <p:nvSpPr>
-          <p:cNvPr id="2" name="Titre 1"/>
-          <p:cNvSpPr>
-            <a:spLocks noGrp="1"/>
-          </p:cNvSpPr>
-          <p:nvPr>
-            <p:ph type="title"/>
-          </p:nvPr>
-        </p:nvSpPr>
-        <p:spPr/>
-        <p:txBody>
-          <a:bodyPr/>
-          <a:lstStyle/>
-          <a:p>
-            <a:r>
-              <a:rPr lang="fr-FR" dirty="0"/>
-              <a:t>MLP Complexes</a:t>
-            </a:r>
-          </a:p>
-        </p:txBody>
-      </p:sp>
-      <p:sp>
-        <p:nvSpPr>
-          <p:cNvPr id="3" name="Espace réservé du contenu 2"/>
-          <p:cNvSpPr>
-            <a:spLocks noGrp="1"/>
-          </p:cNvSpPr>
-          <p:nvPr>
-            <p:ph idx="1"/>
-          </p:nvPr>
-        </p:nvSpPr>
-        <p:spPr/>
-        <p:txBody>
-          <a:bodyPr/>
-          <a:lstStyle/>
-          <a:p>
-            <a:r>
-              <a:rPr lang="fr-FR" dirty="0"/>
-              <a:t>Les réseaux peuvent être complexes</a:t>
-            </a:r>
-          </a:p>
-        </p:txBody>
-      </p:sp>
-      <p:pic>
-        <p:nvPicPr>
-          <p:cNvPr id="4" name="Picture 16" descr="Résultat de recherche d'images pour &quot;multi layer perceptron inference animated gif&quot;"/>
-          <p:cNvPicPr>
-            <a:picLocks noChangeAspect="1" noChangeArrowheads="1"/>
-          </p:cNvPicPr>
-          <p:nvPr/>
-        </p:nvPicPr>
-        <p:blipFill>
-          <a:blip r:embed="rId2">
-            <a:extLst>
-              <a:ext uri="{28A0092B-C50C-407E-A947-70E740481C1C}">
-                <a14:useLocalDpi xmlns:a14="http://schemas.microsoft.com/office/drawing/2010/main" val="0"/>
-              </a:ext>
-            </a:extLst>
-          </a:blip>
-          <a:srcRect/>
-          <a:stretch>
-            <a:fillRect/>
-          </a:stretch>
-        </p:blipFill>
-        <p:spPr bwMode="auto">
-          <a:xfrm>
-            <a:off x="1979712" y="1916832"/>
-            <a:ext cx="5273934" cy="4428753"/>
-          </a:xfrm>
-          <a:prstGeom prst="rect">
-            <a:avLst/>
-          </a:prstGeom>
-          <a:noFill/>
-          <a:extLst>
-            <a:ext uri="{909E8E84-426E-40DD-AFC4-6F175D3DCCD1}">
-              <a14:hiddenFill xmlns:a14="http://schemas.microsoft.com/office/drawing/2010/main">
-                <a:solidFill>
-                  <a:srgbClr val="FFFFFF"/>
-                </a:solidFill>
-              </a14:hiddenFill>
-            </a:ext>
-          </a:extLst>
-        </p:spPr>
-      </p:pic>
-    </p:spTree>
-    <p:extLst>
-      <p:ext uri="{BB962C8B-B14F-4D97-AF65-F5344CB8AC3E}">
-        <p14:creationId xmlns:p14="http://schemas.microsoft.com/office/powerpoint/2010/main" val="651947342"/>
-      </p:ext>
-    </p:extLst>
-  </p:cSld>
-  <p:clrMapOvr>
-    <a:masterClrMapping/>
-  </p:clrMapOvr>
-</p:sld>
-</file>
-
-<file path=ppt/slides/slide3.xml><?xml version="1.0" encoding="utf-8"?>
-<p:sld xmlns:a="http://schemas.openxmlformats.org/drawingml/2006/main" xmlns:r="http://schemas.openxmlformats.org/officeDocument/2006/relationships" xmlns:p="http://schemas.openxmlformats.org/presentationml/2006/main">
-  <p:cSld>
-    <p:spTree>
-      <p:nvGrpSpPr>
-        <p:cNvPr id="1" name=""/>
-        <p:cNvGrpSpPr/>
-        <p:nvPr/>
-      </p:nvGrpSpPr>
-      <p:grpSpPr>
-        <a:xfrm>
-          <a:off x="0" y="0"/>
-          <a:ext cx="0" cy="0"/>
-          <a:chOff x="0" y="0"/>
-          <a:chExt cx="0" cy="0"/>
-        </a:xfrm>
-      </p:grpSpPr>
-      <p:sp>
-        <p:nvSpPr>
-          <p:cNvPr id="2" name="Titre 1"/>
-          <p:cNvSpPr>
-            <a:spLocks noGrp="1"/>
-          </p:cNvSpPr>
-          <p:nvPr>
-            <p:ph type="title"/>
-          </p:nvPr>
-        </p:nvSpPr>
-        <p:spPr/>
-        <p:txBody>
-          <a:bodyPr/>
-          <a:lstStyle/>
-          <a:p>
-            <a:r>
-              <a:rPr lang="fr-FR" dirty="0"/>
-              <a:t>IA - ML - DL</a:t>
-            </a:r>
-          </a:p>
-        </p:txBody>
-      </p:sp>
-      <p:pic>
-        <p:nvPicPr>
-          <p:cNvPr id="1026" name="Picture 2" descr="https://www.mytectra.com/media/wysiwyg/Blog/deep-learning.png"/>
-          <p:cNvPicPr>
-            <a:picLocks noChangeAspect="1" noChangeArrowheads="1"/>
-          </p:cNvPicPr>
-          <p:nvPr/>
-        </p:nvPicPr>
-        <p:blipFill>
-          <a:blip r:embed="rId2">
-            <a:extLst>
-              <a:ext uri="{28A0092B-C50C-407E-A947-70E740481C1C}">
-                <a14:useLocalDpi xmlns:a14="http://schemas.microsoft.com/office/drawing/2010/main" val="0"/>
-              </a:ext>
-            </a:extLst>
-          </a:blip>
-          <a:srcRect/>
-          <a:stretch>
-            <a:fillRect/>
-          </a:stretch>
-        </p:blipFill>
-        <p:spPr bwMode="auto">
-          <a:xfrm>
-            <a:off x="0" y="908719"/>
-            <a:ext cx="9144000" cy="5816601"/>
-          </a:xfrm>
-          <a:prstGeom prst="rect">
-            <a:avLst/>
-          </a:prstGeom>
-          <a:noFill/>
-          <a:extLst>
-            <a:ext uri="{909E8E84-426E-40DD-AFC4-6F175D3DCCD1}">
-              <a14:hiddenFill xmlns:a14="http://schemas.microsoft.com/office/drawing/2010/main">
-                <a:solidFill>
-                  <a:srgbClr val="FFFFFF"/>
-                </a:solidFill>
-              </a14:hiddenFill>
-            </a:ext>
-          </a:extLst>
-        </p:spPr>
-      </p:pic>
-    </p:spTree>
-    <p:extLst>
-      <p:ext uri="{BB962C8B-B14F-4D97-AF65-F5344CB8AC3E}">
-        <p14:creationId xmlns:p14="http://schemas.microsoft.com/office/powerpoint/2010/main" val="2673415261"/>
-      </p:ext>
-    </p:extLst>
-  </p:cSld>
-  <p:clrMapOvr>
-    <a:masterClrMapping/>
-  </p:clrMapOvr>
-</p:sld>
-</file>
-
-<file path=ppt/slides/slide30.xml><?xml version="1.0" encoding="utf-8"?>
-<p:sld xmlns:a="http://schemas.openxmlformats.org/drawingml/2006/main" xmlns:r="http://schemas.openxmlformats.org/officeDocument/2006/relationships" xmlns:p="http://schemas.openxmlformats.org/presentationml/2006/main">
-  <p:cSld>
-    <p:spTree>
-      <p:nvGrpSpPr>
-        <p:cNvPr id="1" name=""/>
-        <p:cNvGrpSpPr/>
-        <p:nvPr/>
-      </p:nvGrpSpPr>
-      <p:grpSpPr>
-        <a:xfrm>
-          <a:off x="0" y="0"/>
-          <a:ext cx="0" cy="0"/>
-          <a:chOff x="0" y="0"/>
-          <a:chExt cx="0" cy="0"/>
-        </a:xfrm>
-      </p:grpSpPr>
-      <p:sp>
-        <p:nvSpPr>
-          <p:cNvPr id="2" name="Titre 1"/>
-          <p:cNvSpPr>
-            <a:spLocks noGrp="1"/>
-          </p:cNvSpPr>
-          <p:nvPr>
-            <p:ph type="title"/>
-          </p:nvPr>
-        </p:nvSpPr>
-        <p:spPr/>
-        <p:txBody>
-          <a:bodyPr/>
-          <a:lstStyle/>
-          <a:p>
-            <a:r>
-              <a:rPr lang="fr-FR" dirty="0"/>
-              <a:t>Asymétrie</a:t>
-            </a:r>
-          </a:p>
-        </p:txBody>
-      </p:sp>
-      <p:sp>
-        <p:nvSpPr>
-          <p:cNvPr id="3" name="Espace réservé du contenu 2"/>
-          <p:cNvSpPr>
-            <a:spLocks noGrp="1"/>
-          </p:cNvSpPr>
-          <p:nvPr>
-            <p:ph idx="1"/>
-          </p:nvPr>
-        </p:nvSpPr>
-        <p:spPr/>
-        <p:txBody>
-          <a:bodyPr/>
-          <a:lstStyle/>
-          <a:p>
-            <a:r>
-              <a:rPr lang="fr-FR" dirty="0"/>
-              <a:t>Les réseaux neuronaux sont </a:t>
-            </a:r>
-            <a:r>
-              <a:rPr lang="fr-FR"/>
-              <a:t>des modèles asymétriques</a:t>
-            </a:r>
-            <a:endParaRPr lang="fr-FR" dirty="0"/>
-          </a:p>
-          <a:p>
-            <a:pPr lvl="1"/>
-            <a:r>
-              <a:rPr lang="fr-FR" dirty="0"/>
-              <a:t>Apprentissage couteux</a:t>
-            </a:r>
-          </a:p>
-          <a:p>
-            <a:pPr lvl="1"/>
-            <a:r>
-              <a:rPr lang="fr-FR" dirty="0"/>
-              <a:t>Prédiction rapide</a:t>
-            </a:r>
-          </a:p>
-          <a:p>
-            <a:pPr lvl="1"/>
-            <a:r>
-              <a:rPr lang="fr-FR" dirty="0"/>
-              <a:t>Très utile</a:t>
-            </a:r>
-          </a:p>
-        </p:txBody>
-      </p:sp>
-    </p:spTree>
-    <p:extLst>
-      <p:ext uri="{BB962C8B-B14F-4D97-AF65-F5344CB8AC3E}">
-        <p14:creationId xmlns:p14="http://schemas.microsoft.com/office/powerpoint/2010/main" val="1946835064"/>
-      </p:ext>
-    </p:extLst>
-  </p:cSld>
-  <p:clrMapOvr>
-    <a:masterClrMapping/>
-  </p:clrMapOvr>
-</p:sld>
-</file>
-
-<file path=ppt/slides/slide31.xml><?xml version="1.0" encoding="utf-8"?>
+<file path=ppt/slides/slide26.xml><?xml version="1.0" encoding="utf-8"?>
 <p:sld xmlns:a="http://schemas.openxmlformats.org/drawingml/2006/main" xmlns:r="http://schemas.openxmlformats.org/officeDocument/2006/relationships" xmlns:p="http://schemas.openxmlformats.org/presentationml/2006/main">
   <p:cSld>
     <p:spTree>
@@ -6910,7 +6217,7 @@
 </p:sld>
 </file>
 
-<file path=ppt/slides/slide32.xml><?xml version="1.0" encoding="utf-8"?>
+<file path=ppt/slides/slide27.xml><?xml version="1.0" encoding="utf-8"?>
 <p:sld xmlns:a="http://schemas.openxmlformats.org/drawingml/2006/main" xmlns:r="http://schemas.openxmlformats.org/officeDocument/2006/relationships" xmlns:p="http://schemas.openxmlformats.org/presentationml/2006/main">
   <p:cSld>
     <p:spTree>
@@ -7257,7 +6564,7 @@
 </p:sld>
 </file>
 
-<file path=ppt/slides/slide33.xml><?xml version="1.0" encoding="utf-8"?>
+<file path=ppt/slides/slide28.xml><?xml version="1.0" encoding="utf-8"?>
 <p:sld xmlns:a="http://schemas.openxmlformats.org/drawingml/2006/main" xmlns:r="http://schemas.openxmlformats.org/officeDocument/2006/relationships" xmlns:p="http://schemas.openxmlformats.org/presentationml/2006/main">
   <p:cSld>
     <p:spTree>
@@ -7416,7 +6723,7 @@
 </p:sld>
 </file>
 
-<file path=ppt/slides/slide34.xml><?xml version="1.0" encoding="utf-8"?>
+<file path=ppt/slides/slide29.xml><?xml version="1.0" encoding="utf-8"?>
 <p:sld xmlns:a="http://schemas.openxmlformats.org/drawingml/2006/main" xmlns:r="http://schemas.openxmlformats.org/officeDocument/2006/relationships" xmlns:p="http://schemas.openxmlformats.org/presentationml/2006/main">
   <p:cSld>
     <p:spTree>
@@ -7523,7 +6830,7 @@
 </p:sld>
 </file>
 
-<file path=ppt/slides/slide35.xml><?xml version="1.0" encoding="utf-8"?>
+<file path=ppt/slides/slide3.xml><?xml version="1.0" encoding="utf-8"?>
 <p:sld xmlns:a="http://schemas.openxmlformats.org/drawingml/2006/main" xmlns:r="http://schemas.openxmlformats.org/officeDocument/2006/relationships" xmlns:p="http://schemas.openxmlformats.org/presentationml/2006/main">
   <p:cSld>
     <p:spTree>
@@ -7557,99 +6864,56 @@
           <a:p>
             <a:r>
               <a:rPr lang="fr-FR" dirty="0"/>
-              <a:t>Vocabulaire</a:t>
+              <a:t>IA - ML - DL</a:t>
             </a:r>
           </a:p>
         </p:txBody>
       </p:sp>
-      <p:sp>
-        <p:nvSpPr>
-          <p:cNvPr id="3" name="Espace réservé du contenu 2"/>
-          <p:cNvSpPr>
-            <a:spLocks noGrp="1"/>
-          </p:cNvSpPr>
-          <p:nvPr>
-            <p:ph idx="1"/>
-          </p:nvPr>
-        </p:nvSpPr>
-        <p:spPr/>
-        <p:txBody>
-          <a:bodyPr/>
-          <a:lstStyle/>
-          <a:p>
-            <a:r>
-              <a:rPr lang="fr-FR" sz="2400" dirty="0" err="1"/>
-              <a:t>TrainingSet</a:t>
-            </a:r>
-            <a:endParaRPr lang="fr-FR" sz="2400" dirty="0"/>
-          </a:p>
-          <a:p>
-            <a:pPr lvl="1"/>
-            <a:r>
-              <a:rPr lang="fr-FR" sz="2000" dirty="0"/>
-              <a:t>Jeux d’entrainement</a:t>
-            </a:r>
-          </a:p>
-          <a:p>
-            <a:pPr lvl="1"/>
-            <a:r>
-              <a:rPr lang="fr-FR" sz="2000" dirty="0"/>
-              <a:t>Calcul du </a:t>
-            </a:r>
-            <a:r>
-              <a:rPr lang="fr-FR" sz="2000" dirty="0" err="1"/>
-              <a:t>Loss</a:t>
-            </a:r>
-            <a:endParaRPr lang="fr-FR" sz="2000" dirty="0"/>
-          </a:p>
-          <a:p>
-            <a:r>
-              <a:rPr lang="fr-FR" sz="2400" dirty="0" err="1"/>
-              <a:t>ValidationSet</a:t>
-            </a:r>
-            <a:endParaRPr lang="fr-FR" sz="2400" dirty="0"/>
-          </a:p>
-          <a:p>
-            <a:pPr lvl="1"/>
-            <a:r>
-              <a:rPr lang="fr-FR" sz="2000" dirty="0"/>
-              <a:t>Jeux pour mesurer la qualité du modèle</a:t>
-            </a:r>
-          </a:p>
-          <a:p>
-            <a:pPr lvl="1"/>
-            <a:r>
-              <a:rPr lang="fr-FR" sz="2000" dirty="0"/>
-              <a:t>Ne doit jamais être vu du modèle</a:t>
-            </a:r>
-          </a:p>
-          <a:p>
-            <a:r>
-              <a:rPr lang="fr-FR" sz="2400" dirty="0" err="1"/>
-              <a:t>TestSet</a:t>
-            </a:r>
-            <a:endParaRPr lang="fr-FR" sz="2400" dirty="0"/>
-          </a:p>
-          <a:p>
-            <a:pPr lvl="1"/>
-            <a:r>
-              <a:rPr lang="fr-FR" sz="2000" dirty="0"/>
-              <a:t>Recette finale</a:t>
-            </a:r>
-          </a:p>
-          <a:p>
-            <a:pPr lvl="1"/>
-            <a:r>
-              <a:rPr lang="fr-FR" sz="2000" dirty="0"/>
-              <a:t>Ne doit jamais être vu des développeurs</a:t>
-            </a:r>
-          </a:p>
-        </p:txBody>
-      </p:sp>
+      <p:pic>
+        <p:nvPicPr>
+          <p:cNvPr id="1026" name="Picture 2" descr="https://www.mytectra.com/media/wysiwyg/Blog/deep-learning.png"/>
+          <p:cNvPicPr>
+            <a:picLocks noChangeAspect="1" noChangeArrowheads="1"/>
+          </p:cNvPicPr>
+          <p:nvPr/>
+        </p:nvPicPr>
+        <p:blipFill>
+          <a:blip r:embed="rId2">
+            <a:extLst>
+              <a:ext uri="{28A0092B-C50C-407E-A947-70E740481C1C}">
+                <a14:useLocalDpi xmlns:a14="http://schemas.microsoft.com/office/drawing/2010/main" val="0"/>
+              </a:ext>
+            </a:extLst>
+          </a:blip>
+          <a:srcRect/>
+          <a:stretch>
+            <a:fillRect/>
+          </a:stretch>
+        </p:blipFill>
+        <p:spPr bwMode="auto">
+          <a:xfrm>
+            <a:off x="0" y="908719"/>
+            <a:ext cx="9144000" cy="5816601"/>
+          </a:xfrm>
+          <a:prstGeom prst="rect">
+            <a:avLst/>
+          </a:prstGeom>
+          <a:noFill/>
+          <a:extLst>
+            <a:ext uri="{909E8E84-426E-40DD-AFC4-6F175D3DCCD1}">
+              <a14:hiddenFill xmlns:a14="http://schemas.microsoft.com/office/drawing/2010/main">
+                <a:solidFill>
+                  <a:srgbClr val="FFFFFF"/>
+                </a:solidFill>
+              </a14:hiddenFill>
+            </a:ext>
+          </a:extLst>
+        </p:spPr>
+      </p:pic>
     </p:spTree>
     <p:extLst>
       <p:ext uri="{BB962C8B-B14F-4D97-AF65-F5344CB8AC3E}">
-        <p14:creationId xmlns:p14="http://schemas.microsoft.com/office/powerpoint/2010/main" val="1521370590"/>
+        <p14:creationId xmlns:p14="http://schemas.microsoft.com/office/powerpoint/2010/main" val="2673415261"/>
       </p:ext>
     </p:extLst>
   </p:cSld>
@@ -7659,7 +6923,7 @@
 </p:sld>
 </file>
 
-<file path=ppt/slides/slide36.xml><?xml version="1.0" encoding="utf-8"?>
+<file path=ppt/slides/slide30.xml><?xml version="1.0" encoding="utf-8"?>
 <p:sld xmlns:a="http://schemas.openxmlformats.org/drawingml/2006/main" xmlns:r="http://schemas.openxmlformats.org/officeDocument/2006/relationships" xmlns:p="http://schemas.openxmlformats.org/presentationml/2006/main">
   <p:cSld>
     <p:spTree>
@@ -7692,6 +6956,142 @@
           <a:lstStyle/>
           <a:p>
             <a:r>
+              <a:rPr lang="fr-FR" dirty="0"/>
+              <a:t>Vocabulaire</a:t>
+            </a:r>
+          </a:p>
+        </p:txBody>
+      </p:sp>
+      <p:sp>
+        <p:nvSpPr>
+          <p:cNvPr id="3" name="Espace réservé du contenu 2"/>
+          <p:cNvSpPr>
+            <a:spLocks noGrp="1"/>
+          </p:cNvSpPr>
+          <p:nvPr>
+            <p:ph idx="1"/>
+          </p:nvPr>
+        </p:nvSpPr>
+        <p:spPr/>
+        <p:txBody>
+          <a:bodyPr/>
+          <a:lstStyle/>
+          <a:p>
+            <a:r>
+              <a:rPr lang="fr-FR" sz="2400" dirty="0" err="1"/>
+              <a:t>TrainingSet</a:t>
+            </a:r>
+            <a:endParaRPr lang="fr-FR" sz="2400" dirty="0"/>
+          </a:p>
+          <a:p>
+            <a:pPr lvl="1"/>
+            <a:r>
+              <a:rPr lang="fr-FR" sz="2000" dirty="0"/>
+              <a:t>Jeux d’entrainement</a:t>
+            </a:r>
+          </a:p>
+          <a:p>
+            <a:pPr lvl="1"/>
+            <a:r>
+              <a:rPr lang="fr-FR" sz="2000" dirty="0"/>
+              <a:t>Calcul du </a:t>
+            </a:r>
+            <a:r>
+              <a:rPr lang="fr-FR" sz="2000" dirty="0" err="1"/>
+              <a:t>Loss</a:t>
+            </a:r>
+            <a:endParaRPr lang="fr-FR" sz="2000" dirty="0"/>
+          </a:p>
+          <a:p>
+            <a:r>
+              <a:rPr lang="fr-FR" sz="2400" dirty="0" err="1"/>
+              <a:t>ValidationSet</a:t>
+            </a:r>
+            <a:endParaRPr lang="fr-FR" sz="2400" dirty="0"/>
+          </a:p>
+          <a:p>
+            <a:pPr lvl="1"/>
+            <a:r>
+              <a:rPr lang="fr-FR" sz="2000" dirty="0"/>
+              <a:t>Jeux pour mesurer la qualité du modèle</a:t>
+            </a:r>
+          </a:p>
+          <a:p>
+            <a:pPr lvl="1"/>
+            <a:r>
+              <a:rPr lang="fr-FR" sz="2000" dirty="0"/>
+              <a:t>Ne doit jamais être vu du modèle</a:t>
+            </a:r>
+          </a:p>
+          <a:p>
+            <a:r>
+              <a:rPr lang="fr-FR" sz="2400" dirty="0" err="1"/>
+              <a:t>TestSet</a:t>
+            </a:r>
+            <a:endParaRPr lang="fr-FR" sz="2400" dirty="0"/>
+          </a:p>
+          <a:p>
+            <a:pPr lvl="1"/>
+            <a:r>
+              <a:rPr lang="fr-FR" sz="2000" dirty="0"/>
+              <a:t>Recette finale</a:t>
+            </a:r>
+          </a:p>
+          <a:p>
+            <a:pPr lvl="1"/>
+            <a:r>
+              <a:rPr lang="fr-FR" sz="2000" dirty="0"/>
+              <a:t>Ne doit jamais être vu des développeurs</a:t>
+            </a:r>
+          </a:p>
+        </p:txBody>
+      </p:sp>
+    </p:spTree>
+    <p:extLst>
+      <p:ext uri="{BB962C8B-B14F-4D97-AF65-F5344CB8AC3E}">
+        <p14:creationId xmlns:p14="http://schemas.microsoft.com/office/powerpoint/2010/main" val="1521370590"/>
+      </p:ext>
+    </p:extLst>
+  </p:cSld>
+  <p:clrMapOvr>
+    <a:masterClrMapping/>
+  </p:clrMapOvr>
+</p:sld>
+</file>
+
+<file path=ppt/slides/slide31.xml><?xml version="1.0" encoding="utf-8"?>
+<p:sld xmlns:a="http://schemas.openxmlformats.org/drawingml/2006/main" xmlns:r="http://schemas.openxmlformats.org/officeDocument/2006/relationships" xmlns:p="http://schemas.openxmlformats.org/presentationml/2006/main">
+  <p:cSld>
+    <p:spTree>
+      <p:nvGrpSpPr>
+        <p:cNvPr id="1" name=""/>
+        <p:cNvGrpSpPr/>
+        <p:nvPr/>
+      </p:nvGrpSpPr>
+      <p:grpSpPr>
+        <a:xfrm>
+          <a:off x="0" y="0"/>
+          <a:ext cx="0" cy="0"/>
+          <a:chOff x="0" y="0"/>
+          <a:chExt cx="0" cy="0"/>
+        </a:xfrm>
+      </p:grpSpPr>
+      <p:sp>
+        <p:nvSpPr>
+          <p:cNvPr id="2" name="Titre 1"/>
+          <p:cNvSpPr>
+            <a:spLocks noGrp="1"/>
+          </p:cNvSpPr>
+          <p:nvPr>
+            <p:ph type="title"/>
+          </p:nvPr>
+        </p:nvSpPr>
+        <p:spPr/>
+        <p:txBody>
+          <a:bodyPr/>
+          <a:lstStyle/>
+          <a:p>
+            <a:r>
               <a:rPr lang="fr-FR"/>
               <a:t>Solidification du modèle</a:t>
             </a:r>
@@ -7774,7 +7174,7 @@
 </p:sld>
 </file>
 
-<file path=ppt/slides/slide37.xml><?xml version="1.0" encoding="utf-8"?>
+<file path=ppt/slides/slide32.xml><?xml version="1.0" encoding="utf-8"?>
 <p:sld xmlns:a="http://schemas.openxmlformats.org/drawingml/2006/main" xmlns:r="http://schemas.openxmlformats.org/officeDocument/2006/relationships" xmlns:p="http://schemas.openxmlformats.org/presentationml/2006/main">
   <p:cSld>
     <p:spTree>
@@ -8048,7 +7448,7 @@
 </p:sld>
 </file>
 
-<file path=ppt/slides/slide38.xml><?xml version="1.0" encoding="utf-8"?>
+<file path=ppt/slides/slide33.xml><?xml version="1.0" encoding="utf-8"?>
 <p:sld xmlns:a="http://schemas.openxmlformats.org/drawingml/2006/main" xmlns:r="http://schemas.openxmlformats.org/officeDocument/2006/relationships" xmlns:p="http://schemas.openxmlformats.org/presentationml/2006/main">
   <p:cSld>
     <p:spTree>
@@ -8160,7 +7560,7 @@
 </p:sld>
 </file>
 
-<file path=ppt/slides/slide39.xml><?xml version="1.0" encoding="utf-8"?>
+<file path=ppt/slides/slide34.xml><?xml version="1.0" encoding="utf-8"?>
 <p:sld xmlns:a="http://schemas.openxmlformats.org/drawingml/2006/main" xmlns:r="http://schemas.openxmlformats.org/officeDocument/2006/relationships" xmlns:p="http://schemas.openxmlformats.org/presentationml/2006/main">
   <p:cSld>
     <p:spTree>
@@ -8493,128 +7893,7 @@
 </p:sld>
 </file>
 
-<file path=ppt/slides/slide4.xml><?xml version="1.0" encoding="utf-8"?>
-<p:sld xmlns:a="http://schemas.openxmlformats.org/drawingml/2006/main" xmlns:r="http://schemas.openxmlformats.org/officeDocument/2006/relationships" xmlns:p="http://schemas.openxmlformats.org/presentationml/2006/main">
-  <p:cSld>
-    <p:spTree>
-      <p:nvGrpSpPr>
-        <p:cNvPr id="1" name=""/>
-        <p:cNvGrpSpPr/>
-        <p:nvPr/>
-      </p:nvGrpSpPr>
-      <p:grpSpPr>
-        <a:xfrm>
-          <a:off x="0" y="0"/>
-          <a:ext cx="0" cy="0"/>
-          <a:chOff x="0" y="0"/>
-          <a:chExt cx="0" cy="0"/>
-        </a:xfrm>
-      </p:grpSpPr>
-      <p:sp>
-        <p:nvSpPr>
-          <p:cNvPr id="2" name="Titre 1"/>
-          <p:cNvSpPr>
-            <a:spLocks noGrp="1"/>
-          </p:cNvSpPr>
-          <p:nvPr>
-            <p:ph type="title"/>
-          </p:nvPr>
-        </p:nvSpPr>
-        <p:spPr/>
-        <p:txBody>
-          <a:bodyPr/>
-          <a:lstStyle/>
-          <a:p>
-            <a:r>
-              <a:rPr lang="fr-FR" dirty="0"/>
-              <a:t>1</a:t>
-            </a:r>
-            <a:r>
-              <a:rPr lang="fr-FR" baseline="30000" dirty="0"/>
-              <a:t>ère</a:t>
-            </a:r>
-            <a:r>
-              <a:rPr lang="fr-FR" dirty="0"/>
-              <a:t> étape</a:t>
-            </a:r>
-          </a:p>
-        </p:txBody>
-      </p:sp>
-      <p:sp>
-        <p:nvSpPr>
-          <p:cNvPr id="3" name="Espace réservé du contenu 2"/>
-          <p:cNvSpPr>
-            <a:spLocks noGrp="1"/>
-          </p:cNvSpPr>
-          <p:nvPr>
-            <p:ph idx="1"/>
-          </p:nvPr>
-        </p:nvSpPr>
-        <p:spPr/>
-        <p:txBody>
-          <a:bodyPr/>
-          <a:lstStyle/>
-          <a:p>
-            <a:r>
-              <a:rPr lang="fr-FR" dirty="0"/>
-              <a:t>Trouver les données</a:t>
-            </a:r>
-          </a:p>
-          <a:p>
-            <a:pPr lvl="1"/>
-            <a:r>
-              <a:rPr lang="fr-FR" dirty="0"/>
-              <a:t>Mise à disposition d’un data </a:t>
-            </a:r>
-            <a:r>
-              <a:rPr lang="fr-FR" dirty="0" err="1"/>
-              <a:t>lake</a:t>
-            </a:r>
-            <a:r>
-              <a:rPr lang="fr-FR" dirty="0"/>
-              <a:t> ou d’un data </a:t>
-            </a:r>
-            <a:r>
-              <a:rPr lang="fr-FR" dirty="0" err="1"/>
-              <a:t>mart</a:t>
-            </a:r>
-            <a:endParaRPr lang="fr-FR" dirty="0"/>
-          </a:p>
-          <a:p>
-            <a:r>
-              <a:rPr lang="fr-FR" dirty="0"/>
-              <a:t>Le jeu de données utilisé en machine </a:t>
-            </a:r>
-            <a:r>
-              <a:rPr lang="fr-FR" dirty="0" err="1"/>
-              <a:t>learning</a:t>
-            </a:r>
-            <a:r>
-              <a:rPr lang="fr-FR" dirty="0"/>
-              <a:t> s’appel le </a:t>
-            </a:r>
-            <a:r>
-              <a:rPr lang="fr-FR" dirty="0" err="1"/>
-              <a:t>Dataset</a:t>
-            </a:r>
-            <a:endParaRPr lang="fr-FR" dirty="0"/>
-          </a:p>
-        </p:txBody>
-      </p:sp>
-    </p:spTree>
-    <p:extLst>
-      <p:ext uri="{BB962C8B-B14F-4D97-AF65-F5344CB8AC3E}">
-        <p14:creationId xmlns:p14="http://schemas.microsoft.com/office/powerpoint/2010/main" val="1841075970"/>
-      </p:ext>
-    </p:extLst>
-  </p:cSld>
-  <p:clrMapOvr>
-    <a:masterClrMapping/>
-  </p:clrMapOvr>
-</p:sld>
-</file>
-
-<file path=ppt/slides/slide40.xml><?xml version="1.0" encoding="utf-8"?>
+<file path=ppt/slides/slide35.xml><?xml version="1.0" encoding="utf-8"?>
 <p:sld xmlns:a="http://schemas.openxmlformats.org/drawingml/2006/main" xmlns:r="http://schemas.openxmlformats.org/officeDocument/2006/relationships" xmlns:p="http://schemas.openxmlformats.org/presentationml/2006/main">
   <p:cSld>
     <p:spTree>
@@ -8865,6 +8144,127 @@
     <p:extLst>
       <p:ext uri="{BB962C8B-B14F-4D97-AF65-F5344CB8AC3E}">
         <p14:creationId xmlns:p14="http://schemas.microsoft.com/office/powerpoint/2010/main" val="3778129219"/>
+      </p:ext>
+    </p:extLst>
+  </p:cSld>
+  <p:clrMapOvr>
+    <a:masterClrMapping/>
+  </p:clrMapOvr>
+</p:sld>
+</file>
+
+<file path=ppt/slides/slide4.xml><?xml version="1.0" encoding="utf-8"?>
+<p:sld xmlns:a="http://schemas.openxmlformats.org/drawingml/2006/main" xmlns:r="http://schemas.openxmlformats.org/officeDocument/2006/relationships" xmlns:p="http://schemas.openxmlformats.org/presentationml/2006/main">
+  <p:cSld>
+    <p:spTree>
+      <p:nvGrpSpPr>
+        <p:cNvPr id="1" name=""/>
+        <p:cNvGrpSpPr/>
+        <p:nvPr/>
+      </p:nvGrpSpPr>
+      <p:grpSpPr>
+        <a:xfrm>
+          <a:off x="0" y="0"/>
+          <a:ext cx="0" cy="0"/>
+          <a:chOff x="0" y="0"/>
+          <a:chExt cx="0" cy="0"/>
+        </a:xfrm>
+      </p:grpSpPr>
+      <p:sp>
+        <p:nvSpPr>
+          <p:cNvPr id="2" name="Titre 1"/>
+          <p:cNvSpPr>
+            <a:spLocks noGrp="1"/>
+          </p:cNvSpPr>
+          <p:nvPr>
+            <p:ph type="title"/>
+          </p:nvPr>
+        </p:nvSpPr>
+        <p:spPr/>
+        <p:txBody>
+          <a:bodyPr/>
+          <a:lstStyle/>
+          <a:p>
+            <a:r>
+              <a:rPr lang="fr-FR" dirty="0"/>
+              <a:t>1</a:t>
+            </a:r>
+            <a:r>
+              <a:rPr lang="fr-FR" baseline="30000" dirty="0"/>
+              <a:t>ère</a:t>
+            </a:r>
+            <a:r>
+              <a:rPr lang="fr-FR" dirty="0"/>
+              <a:t> étape</a:t>
+            </a:r>
+          </a:p>
+        </p:txBody>
+      </p:sp>
+      <p:sp>
+        <p:nvSpPr>
+          <p:cNvPr id="3" name="Espace réservé du contenu 2"/>
+          <p:cNvSpPr>
+            <a:spLocks noGrp="1"/>
+          </p:cNvSpPr>
+          <p:nvPr>
+            <p:ph idx="1"/>
+          </p:nvPr>
+        </p:nvSpPr>
+        <p:spPr/>
+        <p:txBody>
+          <a:bodyPr/>
+          <a:lstStyle/>
+          <a:p>
+            <a:r>
+              <a:rPr lang="fr-FR" dirty="0"/>
+              <a:t>Trouver les données</a:t>
+            </a:r>
+          </a:p>
+          <a:p>
+            <a:pPr lvl="1"/>
+            <a:r>
+              <a:rPr lang="fr-FR" dirty="0"/>
+              <a:t>Mise à disposition d’un data </a:t>
+            </a:r>
+            <a:r>
+              <a:rPr lang="fr-FR" dirty="0" err="1"/>
+              <a:t>lake</a:t>
+            </a:r>
+            <a:r>
+              <a:rPr lang="fr-FR" dirty="0"/>
+              <a:t> ou d’un data </a:t>
+            </a:r>
+            <a:r>
+              <a:rPr lang="fr-FR" dirty="0" err="1"/>
+              <a:t>mart</a:t>
+            </a:r>
+            <a:endParaRPr lang="fr-FR" dirty="0"/>
+          </a:p>
+          <a:p>
+            <a:r>
+              <a:rPr lang="fr-FR" dirty="0"/>
+              <a:t>Le jeu de données utilisé en machine </a:t>
+            </a:r>
+            <a:r>
+              <a:rPr lang="fr-FR" dirty="0" err="1"/>
+              <a:t>learning</a:t>
+            </a:r>
+            <a:r>
+              <a:rPr lang="fr-FR" dirty="0"/>
+              <a:t> s’appel le </a:t>
+            </a:r>
+            <a:r>
+              <a:rPr lang="fr-FR" dirty="0" err="1"/>
+              <a:t>Dataset</a:t>
+            </a:r>
+            <a:endParaRPr lang="fr-FR" dirty="0"/>
+          </a:p>
+        </p:txBody>
+      </p:sp>
+    </p:spTree>
+    <p:extLst>
+      <p:ext uri="{BB962C8B-B14F-4D97-AF65-F5344CB8AC3E}">
+        <p14:creationId xmlns:p14="http://schemas.microsoft.com/office/powerpoint/2010/main" val="1841075970"/>
       </p:ext>
     </p:extLst>
   </p:cSld>
